--- a/Lectures/1st Year/Platforms/Platforms4A-armlecture1.pptx
+++ b/Lectures/1st Year/Platforms/Platforms4A-armlecture1.pptx
@@ -177,7 +177,7 @@
   </p:defaultTextStyle>
   <p:extLst>
     <p:ext uri="{EFAFB233-063F-42B5-8137-9DF3F51BA10A}">
-      <p15:sldGuideLst xmlns:p15="http://schemas.microsoft.com/office/powerpoint/2012/main" xmlns="">
+      <p15:sldGuideLst xmlns="" xmlns:p15="http://schemas.microsoft.com/office/powerpoint/2012/main">
         <p15:guide id="1" orient="horz" pos="2160">
           <p15:clr>
             <a:srgbClr val="A4A3A4"/>
@@ -4774,7 +4774,7 @@
           <a:graphicData uri="http://schemas.openxmlformats.org/presentationml/2006/ole">
             <mc:AlternateContent xmlns:mc="http://schemas.openxmlformats.org/markup-compatibility/2006">
               <mc:Choice xmlns:v="urn:schemas-microsoft-com:vml" Requires="v">
-                <p:oleObj spid="_x0000_s50194" name="Package" showAsIcon="1" r:id="rId4" imgW="914400" imgH="714240" progId="Package">
+                <p:oleObj spid="_x0000_s50196" name="Package" showAsIcon="1" r:id="rId4" imgW="914400" imgH="714240" progId="Package">
                   <p:embed/>
                 </p:oleObj>
               </mc:Choice>
@@ -4855,7 +4855,7 @@
     <p:controls>
       <mc:AlternateContent xmlns:mc="http://schemas.openxmlformats.org/markup-compatibility/2006">
         <mc:Choice xmlns:v="urn:schemas-microsoft-com:vml" Requires="v">
-          <p:control spid="50192" name="ShockwaveFlash1" r:id="rId2" imgW="7918560" imgH="5073480"/>
+          <p:control spid="50195" name="ShockwaveFlash1" r:id="rId2" imgW="7918560" imgH="5073480"/>
         </mc:Choice>
         <mc:Fallback>
           <p:control name="ShockwaveFlash1" r:id="rId2" imgW="7918560" imgH="5073480">
@@ -8573,7 +8573,7 @@
           <a:graphicData uri="http://schemas.openxmlformats.org/presentationml/2006/ole">
             <mc:AlternateContent xmlns:mc="http://schemas.openxmlformats.org/markup-compatibility/2006">
               <mc:Choice xmlns:v="urn:schemas-microsoft-com:vml" Requires="v">
-                <p:oleObj spid="_x0000_s33813" name="Package" showAsIcon="1" r:id="rId4" imgW="914400" imgH="714240" progId="Package">
+                <p:oleObj spid="_x0000_s33815" name="Package" showAsIcon="1" r:id="rId4" imgW="914400" imgH="714240" progId="Package">
                   <p:embed/>
                 </p:oleObj>
               </mc:Choice>
@@ -8654,7 +8654,7 @@
     <p:controls>
       <mc:AlternateContent xmlns:mc="http://schemas.openxmlformats.org/markup-compatibility/2006">
         <mc:Choice xmlns:v="urn:schemas-microsoft-com:vml" Requires="v">
-          <p:control spid="33811" name="ShockwaveFlash1" r:id="rId2" imgW="8064360" imgH="5111640"/>
+          <p:control spid="33814" name="ShockwaveFlash1" r:id="rId2" imgW="8064360" imgH="5111640"/>
         </mc:Choice>
         <mc:Fallback>
           <p:control name="ShockwaveFlash1" r:id="rId2" imgW="8064360" imgH="5111640">
@@ -11470,7 +11470,7 @@
           <a:graphicData uri="http://schemas.openxmlformats.org/presentationml/2006/ole">
             <mc:AlternateContent xmlns:mc="http://schemas.openxmlformats.org/markup-compatibility/2006">
               <mc:Choice xmlns:v="urn:schemas-microsoft-com:vml" Requires="v">
-                <p:oleObj spid="_x0000_s49171" name="Package" showAsIcon="1" r:id="rId5" imgW="914400" imgH="714240" progId="Package">
+                <p:oleObj spid="_x0000_s49173" name="Package" showAsIcon="1" r:id="rId5" imgW="914400" imgH="714240" progId="Package">
                   <p:embed/>
                 </p:oleObj>
               </mc:Choice>
@@ -11551,7 +11551,7 @@
     <p:controls>
       <mc:AlternateContent xmlns:mc="http://schemas.openxmlformats.org/markup-compatibility/2006">
         <mc:Choice xmlns:v="urn:schemas-microsoft-com:vml" Requires="v">
-          <p:control spid="49169" name="ShockwaveFlash1" r:id="rId2" imgW="8064360" imgH="5073480"/>
+          <p:control spid="49172" name="ShockwaveFlash1" r:id="rId2" imgW="8064360" imgH="5073480"/>
         </mc:Choice>
         <mc:Fallback>
           <p:control name="ShockwaveFlash1" r:id="rId2" imgW="8064360" imgH="5073480">
@@ -12255,7 +12255,7 @@
   </a:extraClrSchemeLst>
   <a:extLst>
     <a:ext uri="{05A4C25C-085E-4340-85A3-A5531E510DB2}">
-      <thm15:themeFamily xmlns:thm15="http://schemas.microsoft.com/office/thememl/2012/main" xmlns="" name="Office Theme" id="{62F939B6-93AF-4DB8-9C6B-D6C7DFDC589F}" vid="{4A3C46E8-61CC-4603-A589-7422A47A8E4A}"/>
+      <thm15:themeFamily xmlns="" xmlns:thm15="http://schemas.microsoft.com/office/thememl/2012/main" name="Office Theme" id="{62F939B6-93AF-4DB8-9C6B-D6C7DFDC589F}" vid="{4A3C46E8-61CC-4603-A589-7422A47A8E4A}"/>
     </a:ext>
   </a:extLst>
 </a:theme>
